--- a/Image Encryption.pptx
+++ b/Image Encryption.pptx
@@ -5,15 +5,18 @@
     <p:sldMasterId id="2147483648" r:id="rId1"/>
   </p:sldMasterIdLst>
   <p:notesMasterIdLst>
-    <p:notesMasterId r:id="rId8"/>
+    <p:notesMasterId r:id="rId11"/>
   </p:notesMasterIdLst>
   <p:sldIdLst>
     <p:sldId id="256" r:id="rId2"/>
     <p:sldId id="257" r:id="rId3"/>
     <p:sldId id="258" r:id="rId4"/>
     <p:sldId id="259" r:id="rId5"/>
-    <p:sldId id="260" r:id="rId6"/>
-    <p:sldId id="261" r:id="rId7"/>
+    <p:sldId id="264" r:id="rId6"/>
+    <p:sldId id="260" r:id="rId7"/>
+    <p:sldId id="262" r:id="rId8"/>
+    <p:sldId id="263" r:id="rId9"/>
+    <p:sldId id="261" r:id="rId10"/>
   </p:sldIdLst>
   <p:sldSz cx="9144000" cy="6858000" type="screen4x3"/>
   <p:notesSz cx="6858000" cy="9144000"/>
@@ -151,7 +154,10 @@
             <p14:sldId id="257"/>
             <p14:sldId id="258"/>
             <p14:sldId id="259"/>
+            <p14:sldId id="264"/>
             <p14:sldId id="260"/>
+            <p14:sldId id="262"/>
+            <p14:sldId id="263"/>
             <p14:sldId id="261"/>
           </p14:sldIdLst>
         </p14:section>
@@ -278,7 +284,7 @@
               <a:pPr>
                 <a:defRPr/>
               </a:pPr>
-              <a:t>2017/7/18</a:t>
+              <a:t>2017/7/20</a:t>
             </a:fld>
             <a:endParaRPr lang="zh-CN" altLang="en-US"/>
           </a:p>
@@ -4837,23 +4843,13 @@
         <p:spPr>
           <a:xfrm>
             <a:off x="1259632" y="1132384"/>
-            <a:ext cx="7391400" cy="4895851"/>
+            <a:ext cx="7391400" cy="5104928"/>
           </a:xfrm>
         </p:spPr>
         <p:txBody>
           <a:bodyPr/>
           <a:lstStyle/>
           <a:p>
-            <a:pPr lvl="1">
-              <a:buFontTx/>
-              <a:buChar char="-"/>
-            </a:pPr>
-            <a:r>
-              <a:rPr lang="en-IE" sz="2400" dirty="0"/>
-              <a:t>Image encryption is a process of coding it into meaningful encrypted one.</a:t>
-            </a:r>
-          </a:p>
-          <a:p>
             <a:pPr marL="457200" lvl="1" indent="0">
               <a:buNone/>
             </a:pPr>
@@ -4863,9 +4859,15 @@
             <a:pPr marL="457200" lvl="1" indent="0">
               <a:buNone/>
             </a:pPr>
+            <a:endParaRPr lang="en-IE" sz="2400" dirty="0"/>
+          </a:p>
+          <a:p>
+            <a:pPr marL="457200" lvl="1" indent="0">
+              <a:buNone/>
+            </a:pPr>
             <a:r>
               <a:rPr lang="en-IE" sz="2400" dirty="0"/>
-              <a:t>- “Visual cryptography is a </a:t>
+              <a:t>“Visual cryptography is a </a:t>
             </a:r>
             <a:r>
               <a:rPr lang="en-IE" sz="2400" dirty="0">
@@ -4877,7 +4879,81 @@
               <a:rPr lang="en-IE" sz="2400" dirty="0"/>
               <a:t> technique which allows visual information to be encrypted in such a way that decryption becomes the job of the person to decrypt via sight reading.”</a:t>
             </a:r>
-            <a:endParaRPr lang="zh-CN" altLang="zh-CN" sz="2400" dirty="0">
+          </a:p>
+          <a:p>
+            <a:pPr marL="457200" lvl="1" indent="0">
+              <a:buNone/>
+            </a:pPr>
+            <a:r>
+              <a:rPr lang="en-IE" altLang="zh-CN" sz="2400" dirty="0">
+                <a:ea typeface="宋体" panose="02010600030101010101" pitchFamily="2" charset="-122"/>
+              </a:rPr>
+              <a:t>			        </a:t>
+            </a:r>
+          </a:p>
+          <a:p>
+            <a:pPr marL="457200" lvl="1" indent="0">
+              <a:buNone/>
+            </a:pPr>
+            <a:r>
+              <a:rPr lang="en-IE" altLang="zh-CN" sz="2400" dirty="0">
+                <a:ea typeface="宋体" panose="02010600030101010101" pitchFamily="2" charset="-122"/>
+              </a:rPr>
+              <a:t>     </a:t>
+            </a:r>
+          </a:p>
+          <a:p>
+            <a:pPr marL="457200" lvl="1" indent="0">
+              <a:buNone/>
+            </a:pPr>
+            <a:endParaRPr lang="en-IE" altLang="zh-CN" sz="2400" dirty="0">
+              <a:ea typeface="宋体" panose="02010600030101010101" pitchFamily="2" charset="-122"/>
+            </a:endParaRPr>
+          </a:p>
+          <a:p>
+            <a:pPr marL="457200" lvl="1" indent="0">
+              <a:buNone/>
+            </a:pPr>
+            <a:r>
+              <a:rPr lang="en-IE" altLang="zh-CN" sz="2400" dirty="0">
+                <a:ea typeface="宋体" panose="02010600030101010101" pitchFamily="2" charset="-122"/>
+              </a:rPr>
+              <a:t>                                 </a:t>
+            </a:r>
+          </a:p>
+          <a:p>
+            <a:pPr marL="457200" lvl="1" indent="0">
+              <a:buNone/>
+            </a:pPr>
+            <a:endParaRPr lang="en-IE" altLang="zh-CN" sz="2400" dirty="0">
+              <a:ea typeface="宋体" panose="02010600030101010101" pitchFamily="2" charset="-122"/>
+            </a:endParaRPr>
+          </a:p>
+          <a:p>
+            <a:pPr marL="457200" lvl="1" indent="0">
+              <a:buNone/>
+            </a:pPr>
+            <a:endParaRPr lang="en-IE" altLang="zh-CN" sz="2400" dirty="0">
+              <a:ea typeface="宋体" panose="02010600030101010101" pitchFamily="2" charset="-122"/>
+            </a:endParaRPr>
+          </a:p>
+          <a:p>
+            <a:pPr marL="457200" lvl="1" indent="0">
+              <a:buNone/>
+            </a:pPr>
+            <a:r>
+              <a:rPr lang="en-IE" altLang="zh-CN" sz="2400" dirty="0">
+                <a:ea typeface="宋体" panose="02010600030101010101" pitchFamily="2" charset="-122"/>
+              </a:rPr>
+              <a:t>                                  </a:t>
+            </a:r>
+            <a:r>
+              <a:rPr lang="en-IE" altLang="zh-CN" sz="1400" dirty="0">
+                <a:ea typeface="宋体" panose="02010600030101010101" pitchFamily="2" charset="-122"/>
+              </a:rPr>
+              <a:t>https://en.wikipedia.org/wiki/Visual_cryptography</a:t>
+            </a:r>
+            <a:endParaRPr lang="zh-CN" altLang="zh-CN" sz="1400" dirty="0">
               <a:ea typeface="宋体" panose="02010600030101010101" pitchFamily="2" charset="-122"/>
             </a:endParaRPr>
           </a:p>
@@ -5319,15 +5395,7 @@
             </a:r>
             <a:r>
               <a:rPr lang="en-IE" sz="2400" i="1" dirty="0"/>
-              <a:t>ntegrity is easy to </a:t>
-            </a:r>
-            <a:r>
-              <a:rPr lang="en-IE" sz="2400" i="1" dirty="0" err="1"/>
-              <a:t>verifie</a:t>
-            </a:r>
-            <a:r>
-              <a:rPr lang="en-IE" sz="2400" i="1" dirty="0"/>
-              <a:t> </a:t>
+              <a:t>ntegrity is easy to verify </a:t>
             </a:r>
           </a:p>
           <a:p>
@@ -5415,7 +5483,7 @@
           <a:p>
             <a:r>
               <a:rPr lang="en-IE" dirty="0"/>
-              <a:t>How encryption works ?	</a:t>
+              <a:t>Objectives:	</a:t>
             </a:r>
           </a:p>
         </p:txBody>
@@ -5436,14 +5504,73 @@
             <p:ph idx="1"/>
           </p:nvPr>
         </p:nvSpPr>
-        <p:spPr/>
+        <p:spPr>
+          <a:xfrm>
+            <a:off x="1676400" y="1413581"/>
+            <a:ext cx="7391400" cy="4525963"/>
+          </a:xfrm>
+        </p:spPr>
         <p:txBody>
           <a:bodyPr/>
           <a:lstStyle/>
           <a:p>
-            <a:r>
-              <a:rPr lang="en-IE" dirty="0"/>
-              <a:t>Screen shots from demo</a:t>
+            <a:pPr marL="0" indent="0">
+              <a:buNone/>
+            </a:pPr>
+            <a:r>
+              <a:rPr lang="en-IE" sz="2800" dirty="0"/>
+              <a:t>Project problem:</a:t>
+            </a:r>
+          </a:p>
+          <a:p>
+            <a:pPr marL="0" indent="0">
+              <a:buNone/>
+            </a:pPr>
+            <a:r>
+              <a:rPr lang="en-IE" sz="2400" dirty="0"/>
+              <a:t>Develop an application that encrypts the image. </a:t>
+            </a:r>
+          </a:p>
+          <a:p>
+            <a:pPr marL="0" indent="0">
+              <a:buNone/>
+            </a:pPr>
+            <a:endParaRPr lang="en-IE" sz="2400" dirty="0"/>
+          </a:p>
+          <a:p>
+            <a:pPr marL="0" indent="0">
+              <a:buNone/>
+            </a:pPr>
+            <a:r>
+              <a:rPr lang="en-IE" sz="2800" dirty="0"/>
+              <a:t>Problem solution:</a:t>
+            </a:r>
+          </a:p>
+          <a:p>
+            <a:pPr marL="0" indent="0">
+              <a:buNone/>
+            </a:pPr>
+            <a:r>
+              <a:rPr lang="en-IE" sz="2400" dirty="0"/>
+              <a:t>-Java application that take image file as an input</a:t>
+            </a:r>
+          </a:p>
+          <a:p>
+            <a:pPr marL="0" indent="0">
+              <a:buNone/>
+            </a:pPr>
+            <a:r>
+              <a:rPr lang="en-IE" sz="2400" dirty="0"/>
+              <a:t>-Ask user for security password that meet specific requirement</a:t>
+            </a:r>
+          </a:p>
+          <a:p>
+            <a:pPr marL="0" indent="0">
+              <a:buNone/>
+            </a:pPr>
+            <a:r>
+              <a:rPr lang="en-IE" sz="2400" dirty="0"/>
+              <a:t>-Encrypt it and store hashed (SHA-512) password in the file</a:t>
             </a:r>
           </a:p>
         </p:txBody>
@@ -5478,6 +5605,144 @@
           <a:chExt cx="0" cy="0"/>
         </a:xfrm>
       </p:grpSpPr>
+      <p:pic>
+        <p:nvPicPr>
+          <p:cNvPr id="11" name="Picture 10">
+            <a:extLst>
+              <a:ext uri="{FF2B5EF4-FFF2-40B4-BE49-F238E27FC236}">
+                <a16:creationId xmlns:a16="http://schemas.microsoft.com/office/drawing/2014/main" id="{20EF0016-4346-492E-A853-00891388BF9B}"/>
+              </a:ext>
+            </a:extLst>
+          </p:cNvPr>
+          <p:cNvPicPr>
+            <a:picLocks noChangeAspect="1"/>
+          </p:cNvPicPr>
+          <p:nvPr/>
+        </p:nvPicPr>
+        <p:blipFill>
+          <a:blip r:embed="rId2">
+            <a:extLst>
+              <a:ext uri="{28A0092B-C50C-407E-A947-70E740481C1C}">
+                <a14:useLocalDpi xmlns:a14="http://schemas.microsoft.com/office/drawing/2010/main" val="0"/>
+              </a:ext>
+            </a:extLst>
+          </a:blip>
+          <a:stretch>
+            <a:fillRect/>
+          </a:stretch>
+        </p:blipFill>
+        <p:spPr>
+          <a:xfrm>
+            <a:off x="2242102" y="16232"/>
+            <a:ext cx="3117166" cy="6841768"/>
+          </a:xfrm>
+          <a:prstGeom prst="rect">
+            <a:avLst/>
+          </a:prstGeom>
+        </p:spPr>
+      </p:pic>
+      <p:pic>
+        <p:nvPicPr>
+          <p:cNvPr id="13" name="Picture 12">
+            <a:extLst>
+              <a:ext uri="{FF2B5EF4-FFF2-40B4-BE49-F238E27FC236}">
+                <a16:creationId xmlns:a16="http://schemas.microsoft.com/office/drawing/2014/main" id="{80DDC74D-804C-4D70-B22D-DD17B5813CB6}"/>
+              </a:ext>
+            </a:extLst>
+          </p:cNvPr>
+          <p:cNvPicPr>
+            <a:picLocks noChangeAspect="1"/>
+          </p:cNvPicPr>
+          <p:nvPr/>
+        </p:nvPicPr>
+        <p:blipFill>
+          <a:blip r:embed="rId3">
+            <a:extLst>
+              <a:ext uri="{28A0092B-C50C-407E-A947-70E740481C1C}">
+                <a14:useLocalDpi xmlns:a14="http://schemas.microsoft.com/office/drawing/2010/main" val="0"/>
+              </a:ext>
+            </a:extLst>
+          </a:blip>
+          <a:stretch>
+            <a:fillRect/>
+          </a:stretch>
+        </p:blipFill>
+        <p:spPr>
+          <a:xfrm>
+            <a:off x="5605122" y="16232"/>
+            <a:ext cx="3312368" cy="2908712"/>
+          </a:xfrm>
+          <a:prstGeom prst="rect">
+            <a:avLst/>
+          </a:prstGeom>
+        </p:spPr>
+      </p:pic>
+      <p:pic>
+        <p:nvPicPr>
+          <p:cNvPr id="15" name="Picture 14">
+            <a:extLst>
+              <a:ext uri="{FF2B5EF4-FFF2-40B4-BE49-F238E27FC236}">
+                <a16:creationId xmlns:a16="http://schemas.microsoft.com/office/drawing/2014/main" id="{CA544A7C-00E9-4B57-BFC7-1FA251271961}"/>
+              </a:ext>
+            </a:extLst>
+          </p:cNvPr>
+          <p:cNvPicPr>
+            <a:picLocks noChangeAspect="1"/>
+          </p:cNvPicPr>
+          <p:nvPr/>
+        </p:nvPicPr>
+        <p:blipFill>
+          <a:blip r:embed="rId4">
+            <a:extLst>
+              <a:ext uri="{28A0092B-C50C-407E-A947-70E740481C1C}">
+                <a14:useLocalDpi xmlns:a14="http://schemas.microsoft.com/office/drawing/2010/main" val="0"/>
+              </a:ext>
+            </a:extLst>
+          </a:blip>
+          <a:stretch>
+            <a:fillRect/>
+          </a:stretch>
+        </p:blipFill>
+        <p:spPr>
+          <a:xfrm>
+            <a:off x="5605122" y="3068959"/>
+            <a:ext cx="3312368" cy="3790449"/>
+          </a:xfrm>
+          <a:prstGeom prst="rect">
+            <a:avLst/>
+          </a:prstGeom>
+        </p:spPr>
+      </p:pic>
+    </p:spTree>
+    <p:extLst>
+      <p:ext uri="{BB962C8B-B14F-4D97-AF65-F5344CB8AC3E}">
+        <p14:creationId xmlns:p14="http://schemas.microsoft.com/office/powerpoint/2010/main" val="2649225507"/>
+      </p:ext>
+    </p:extLst>
+  </p:cSld>
+  <p:clrMapOvr>
+    <a:masterClrMapping/>
+  </p:clrMapOvr>
+</p:sld>
+</file>
+
+<file path=ppt/slides/slide6.xml><?xml version="1.0" encoding="utf-8"?>
+<p:sld xmlns:a="http://schemas.openxmlformats.org/drawingml/2006/main" xmlns:r="http://schemas.openxmlformats.org/officeDocument/2006/relationships" xmlns:p="http://schemas.openxmlformats.org/presentationml/2006/main">
+  <p:cSld>
+    <p:spTree>
+      <p:nvGrpSpPr>
+        <p:cNvPr id="1" name=""/>
+        <p:cNvGrpSpPr/>
+        <p:nvPr/>
+      </p:nvGrpSpPr>
+      <p:grpSpPr>
+        <a:xfrm>
+          <a:off x="0" y="0"/>
+          <a:ext cx="0" cy="0"/>
+          <a:chOff x="0" y="0"/>
+          <a:chExt cx="0" cy="0"/>
+        </a:xfrm>
+      </p:grpSpPr>
       <p:sp>
         <p:nvSpPr>
           <p:cNvPr id="2" name="Title 1">
@@ -5494,126 +5759,60 @@
             <p:ph type="title"/>
           </p:nvPr>
         </p:nvSpPr>
-        <p:spPr/>
+        <p:spPr>
+          <a:xfrm>
+            <a:off x="0" y="25841"/>
+            <a:ext cx="9144000" cy="1143000"/>
+          </a:xfrm>
+        </p:spPr>
         <p:txBody>
           <a:bodyPr/>
           <a:lstStyle/>
           <a:p>
+            <a:pPr algn="ctr"/>
             <a:r>
               <a:rPr lang="en-IE" sz="3600" dirty="0"/>
-              <a:t>Advantages and Disadvantages of image encryption.</a:t>
-            </a:r>
-          </a:p>
-        </p:txBody>
-      </p:sp>
-      <p:sp>
-        <p:nvSpPr>
-          <p:cNvPr id="4" name="Text Placeholder 3">
-            <a:extLst>
-              <a:ext uri="{FF2B5EF4-FFF2-40B4-BE49-F238E27FC236}">
-                <a16:creationId xmlns:a16="http://schemas.microsoft.com/office/drawing/2014/main" id="{9065C4BE-3043-485D-A989-88B890DC52D6}"/>
-              </a:ext>
-            </a:extLst>
-          </p:cNvPr>
-          <p:cNvSpPr>
-            <a:spLocks noGrp="1"/>
-          </p:cNvSpPr>
-          <p:nvPr>
-            <p:ph type="body" idx="1"/>
-          </p:nvPr>
-        </p:nvSpPr>
-        <p:spPr/>
-        <p:txBody>
-          <a:bodyPr/>
-          <a:lstStyle/>
-          <a:p>
-            <a:pPr algn="ctr"/>
-            <a:r>
-              <a:rPr lang="en-IE" dirty="0"/>
-              <a:t>Pros</a:t>
-            </a:r>
-          </a:p>
-        </p:txBody>
-      </p:sp>
-      <p:sp>
-        <p:nvSpPr>
-          <p:cNvPr id="5" name="Content Placeholder 4">
-            <a:extLst>
-              <a:ext uri="{FF2B5EF4-FFF2-40B4-BE49-F238E27FC236}">
-                <a16:creationId xmlns:a16="http://schemas.microsoft.com/office/drawing/2014/main" id="{6910A88D-E0C1-457F-B432-6B995AFCFF14}"/>
-              </a:ext>
-            </a:extLst>
-          </p:cNvPr>
-          <p:cNvSpPr>
-            <a:spLocks noGrp="1"/>
-          </p:cNvSpPr>
-          <p:nvPr>
-            <p:ph sz="half" idx="2"/>
-          </p:nvPr>
-        </p:nvSpPr>
-        <p:spPr/>
-        <p:txBody>
-          <a:bodyPr/>
-          <a:lstStyle/>
-          <a:p>
-            <a:endParaRPr lang="en-IE" dirty="0"/>
-          </a:p>
-        </p:txBody>
-      </p:sp>
-      <p:sp>
-        <p:nvSpPr>
-          <p:cNvPr id="6" name="Text Placeholder 5">
-            <a:extLst>
-              <a:ext uri="{FF2B5EF4-FFF2-40B4-BE49-F238E27FC236}">
-                <a16:creationId xmlns:a16="http://schemas.microsoft.com/office/drawing/2014/main" id="{7B059ED7-2B09-40C7-9CD6-4205DDC506EC}"/>
-              </a:ext>
-            </a:extLst>
-          </p:cNvPr>
-          <p:cNvSpPr>
-            <a:spLocks noGrp="1"/>
-          </p:cNvSpPr>
-          <p:nvPr>
-            <p:ph type="body" sz="quarter" idx="3"/>
-          </p:nvPr>
-        </p:nvSpPr>
-        <p:spPr/>
-        <p:txBody>
-          <a:bodyPr/>
-          <a:lstStyle/>
-          <a:p>
-            <a:pPr algn="ctr"/>
-            <a:r>
-              <a:rPr lang="en-IE" dirty="0"/>
-              <a:t>Cons</a:t>
-            </a:r>
-          </a:p>
-        </p:txBody>
-      </p:sp>
-      <p:sp>
-        <p:nvSpPr>
-          <p:cNvPr id="7" name="Content Placeholder 6">
-            <a:extLst>
-              <a:ext uri="{FF2B5EF4-FFF2-40B4-BE49-F238E27FC236}">
-                <a16:creationId xmlns:a16="http://schemas.microsoft.com/office/drawing/2014/main" id="{33D00FDA-6E30-438A-9705-49793C944D24}"/>
-              </a:ext>
-            </a:extLst>
-          </p:cNvPr>
-          <p:cNvSpPr>
-            <a:spLocks noGrp="1"/>
-          </p:cNvSpPr>
-          <p:nvPr>
-            <p:ph sz="quarter" idx="4"/>
-          </p:nvPr>
-        </p:nvSpPr>
-        <p:spPr/>
-        <p:txBody>
-          <a:bodyPr/>
-          <a:lstStyle/>
-          <a:p>
-            <a:endParaRPr lang="en-IE" dirty="0"/>
-          </a:p>
-        </p:txBody>
-      </p:sp>
+              <a:t>Code snippet –password verification</a:t>
+            </a:r>
+          </a:p>
+        </p:txBody>
+      </p:sp>
+      <p:pic>
+        <p:nvPicPr>
+          <p:cNvPr id="10" name="Picture 9">
+            <a:extLst>
+              <a:ext uri="{FF2B5EF4-FFF2-40B4-BE49-F238E27FC236}">
+                <a16:creationId xmlns:a16="http://schemas.microsoft.com/office/drawing/2014/main" id="{AF75FFC1-17D9-430A-A3B2-DB349C13D547}"/>
+              </a:ext>
+            </a:extLst>
+          </p:cNvPr>
+          <p:cNvPicPr>
+            <a:picLocks noChangeAspect="1"/>
+          </p:cNvPicPr>
+          <p:nvPr/>
+        </p:nvPicPr>
+        <p:blipFill>
+          <a:blip r:embed="rId2">
+            <a:extLst>
+              <a:ext uri="{28A0092B-C50C-407E-A947-70E740481C1C}">
+                <a14:useLocalDpi xmlns:a14="http://schemas.microsoft.com/office/drawing/2010/main" val="0"/>
+              </a:ext>
+            </a:extLst>
+          </a:blip>
+          <a:stretch>
+            <a:fillRect/>
+          </a:stretch>
+        </p:blipFill>
+        <p:spPr>
+          <a:xfrm>
+            <a:off x="2627784" y="980728"/>
+            <a:ext cx="4824536" cy="5743845"/>
+          </a:xfrm>
+          <a:prstGeom prst="rect">
+            <a:avLst/>
+          </a:prstGeom>
+        </p:spPr>
+      </p:pic>
     </p:spTree>
     <p:extLst>
       <p:ext uri="{BB962C8B-B14F-4D97-AF65-F5344CB8AC3E}">
@@ -5627,7 +5826,190 @@
 </p:sld>
 </file>
 
-<file path=ppt/slides/slide6.xml><?xml version="1.0" encoding="utf-8"?>
+<file path=ppt/slides/slide7.xml><?xml version="1.0" encoding="utf-8"?>
+<p:sld xmlns:a="http://schemas.openxmlformats.org/drawingml/2006/main" xmlns:r="http://schemas.openxmlformats.org/officeDocument/2006/relationships" xmlns:p="http://schemas.openxmlformats.org/presentationml/2006/main">
+  <p:cSld>
+    <p:spTree>
+      <p:nvGrpSpPr>
+        <p:cNvPr id="1" name=""/>
+        <p:cNvGrpSpPr/>
+        <p:nvPr/>
+      </p:nvGrpSpPr>
+      <p:grpSpPr>
+        <a:xfrm>
+          <a:off x="0" y="0"/>
+          <a:ext cx="0" cy="0"/>
+          <a:chOff x="0" y="0"/>
+          <a:chExt cx="0" cy="0"/>
+        </a:xfrm>
+      </p:grpSpPr>
+      <p:sp>
+        <p:nvSpPr>
+          <p:cNvPr id="2" name="Title 1">
+            <a:extLst>
+              <a:ext uri="{FF2B5EF4-FFF2-40B4-BE49-F238E27FC236}">
+                <a16:creationId xmlns:a16="http://schemas.microsoft.com/office/drawing/2014/main" id="{D96724BD-2E09-471F-A6E4-784184E11195}"/>
+              </a:ext>
+            </a:extLst>
+          </p:cNvPr>
+          <p:cNvSpPr>
+            <a:spLocks noGrp="1"/>
+          </p:cNvSpPr>
+          <p:nvPr>
+            <p:ph type="title"/>
+          </p:nvPr>
+        </p:nvSpPr>
+        <p:spPr>
+          <a:xfrm>
+            <a:off x="0" y="25517"/>
+            <a:ext cx="9144000" cy="1143000"/>
+          </a:xfrm>
+        </p:spPr>
+        <p:txBody>
+          <a:bodyPr/>
+          <a:lstStyle/>
+          <a:p>
+            <a:pPr algn="ctr"/>
+            <a:r>
+              <a:rPr lang="en-IE" sz="3600" dirty="0"/>
+              <a:t>Code snippet –password hashing </a:t>
+            </a:r>
+          </a:p>
+        </p:txBody>
+      </p:sp>
+      <p:pic>
+        <p:nvPicPr>
+          <p:cNvPr id="4" name="Picture 3">
+            <a:extLst>
+              <a:ext uri="{FF2B5EF4-FFF2-40B4-BE49-F238E27FC236}">
+                <a16:creationId xmlns:a16="http://schemas.microsoft.com/office/drawing/2014/main" id="{7212A5E4-6384-4486-9A6D-4F778DBCDA6B}"/>
+              </a:ext>
+            </a:extLst>
+          </p:cNvPr>
+          <p:cNvPicPr>
+            <a:picLocks noChangeAspect="1"/>
+          </p:cNvPicPr>
+          <p:nvPr/>
+        </p:nvPicPr>
+        <p:blipFill>
+          <a:blip r:embed="rId2">
+            <a:extLst>
+              <a:ext uri="{28A0092B-C50C-407E-A947-70E740481C1C}">
+                <a14:useLocalDpi xmlns:a14="http://schemas.microsoft.com/office/drawing/2010/main" val="0"/>
+              </a:ext>
+            </a:extLst>
+          </a:blip>
+          <a:stretch>
+            <a:fillRect/>
+          </a:stretch>
+        </p:blipFill>
+        <p:spPr>
+          <a:xfrm>
+            <a:off x="1852922" y="1201823"/>
+            <a:ext cx="7039558" cy="4454834"/>
+          </a:xfrm>
+          <a:prstGeom prst="rect">
+            <a:avLst/>
+          </a:prstGeom>
+        </p:spPr>
+      </p:pic>
+    </p:spTree>
+    <p:extLst>
+      <p:ext uri="{BB962C8B-B14F-4D97-AF65-F5344CB8AC3E}">
+        <p14:creationId xmlns:p14="http://schemas.microsoft.com/office/powerpoint/2010/main" val="1789154567"/>
+      </p:ext>
+    </p:extLst>
+  </p:cSld>
+  <p:clrMapOvr>
+    <a:masterClrMapping/>
+  </p:clrMapOvr>
+</p:sld>
+</file>
+
+<file path=ppt/slides/slide8.xml><?xml version="1.0" encoding="utf-8"?>
+<p:sld xmlns:a="http://schemas.openxmlformats.org/drawingml/2006/main" xmlns:r="http://schemas.openxmlformats.org/officeDocument/2006/relationships" xmlns:p="http://schemas.openxmlformats.org/presentationml/2006/main">
+  <p:cSld>
+    <p:spTree>
+      <p:nvGrpSpPr>
+        <p:cNvPr id="1" name=""/>
+        <p:cNvGrpSpPr/>
+        <p:nvPr/>
+      </p:nvGrpSpPr>
+      <p:grpSpPr>
+        <a:xfrm>
+          <a:off x="0" y="0"/>
+          <a:ext cx="0" cy="0"/>
+          <a:chOff x="0" y="0"/>
+          <a:chExt cx="0" cy="0"/>
+        </a:xfrm>
+      </p:grpSpPr>
+      <p:sp>
+        <p:nvSpPr>
+          <p:cNvPr id="9" name="Title 8">
+            <a:extLst>
+              <a:ext uri="{FF2B5EF4-FFF2-40B4-BE49-F238E27FC236}">
+                <a16:creationId xmlns:a16="http://schemas.microsoft.com/office/drawing/2014/main" id="{5B60905C-058D-4DAE-8200-1C110D0CC7C7}"/>
+              </a:ext>
+            </a:extLst>
+          </p:cNvPr>
+          <p:cNvSpPr>
+            <a:spLocks noGrp="1"/>
+          </p:cNvSpPr>
+          <p:nvPr>
+            <p:ph type="title"/>
+          </p:nvPr>
+        </p:nvSpPr>
+        <p:spPr/>
+        <p:txBody>
+          <a:bodyPr/>
+          <a:lstStyle/>
+          <a:p>
+            <a:r>
+              <a:rPr lang="en-IE" dirty="0"/>
+              <a:t>Conclusion:	</a:t>
+            </a:r>
+          </a:p>
+        </p:txBody>
+      </p:sp>
+      <p:sp>
+        <p:nvSpPr>
+          <p:cNvPr id="10" name="Content Placeholder 9">
+            <a:extLst>
+              <a:ext uri="{FF2B5EF4-FFF2-40B4-BE49-F238E27FC236}">
+                <a16:creationId xmlns:a16="http://schemas.microsoft.com/office/drawing/2014/main" id="{2B7590C3-9A14-49E6-8E94-6D611F75238B}"/>
+              </a:ext>
+            </a:extLst>
+          </p:cNvPr>
+          <p:cNvSpPr>
+            <a:spLocks noGrp="1"/>
+          </p:cNvSpPr>
+          <p:nvPr>
+            <p:ph idx="1"/>
+          </p:nvPr>
+        </p:nvSpPr>
+        <p:spPr/>
+        <p:txBody>
+          <a:bodyPr/>
+          <a:lstStyle/>
+          <a:p>
+            <a:endParaRPr lang="en-IE" dirty="0"/>
+          </a:p>
+        </p:txBody>
+      </p:sp>
+    </p:spTree>
+    <p:extLst>
+      <p:ext uri="{BB962C8B-B14F-4D97-AF65-F5344CB8AC3E}">
+        <p14:creationId xmlns:p14="http://schemas.microsoft.com/office/powerpoint/2010/main" val="3650985683"/>
+      </p:ext>
+    </p:extLst>
+  </p:cSld>
+  <p:clrMapOvr>
+    <a:masterClrMapping/>
+  </p:clrMapOvr>
+</p:sld>
+</file>
+
+<file path=ppt/slides/slide9.xml><?xml version="1.0" encoding="utf-8"?>
 <p:sld xmlns:a="http://schemas.openxmlformats.org/drawingml/2006/main" xmlns:r="http://schemas.openxmlformats.org/officeDocument/2006/relationships" xmlns:p="http://schemas.openxmlformats.org/presentationml/2006/main">
   <p:cSld>
     <p:spTree>
